--- a/CalendarioAgo2022/presentaciones/9_Graficas_Matplotlib.pptx
+++ b/CalendarioAgo2022/presentaciones/9_Graficas_Matplotlib.pptx
@@ -1686,7 +1686,7 @@
           <a:p>
             <a:fld id="{1D8BD707-D9CF-40AE-B4C6-C98DA3205C09}" type="datetimeFigureOut">
               <a:rPr lang="en-US"/>
-              <a:t>10/5/2022</a:t>
+              <a:t>10/16/2022</a:t>
             </a:fld>
             <a:endParaRPr lang="en-US"/>
           </a:p>
@@ -2238,7 +2238,7 @@
           <a:p>
             <a:fld id="{1D8BD707-D9CF-40AE-B4C6-C98DA3205C09}" type="datetimeFigureOut">
               <a:rPr lang="en-US"/>
-              <a:t>10/5/2022</a:t>
+              <a:t>10/16/2022</a:t>
             </a:fld>
             <a:endParaRPr lang="en-US"/>
           </a:p>
@@ -2856,7 +2856,7 @@
           <a:p>
             <a:fld id="{1D8BD707-D9CF-40AE-B4C6-C98DA3205C09}" type="datetimeFigureOut">
               <a:rPr lang="en-US"/>
-              <a:t>10/5/2022</a:t>
+              <a:t>10/16/2022</a:t>
             </a:fld>
             <a:endParaRPr lang="en-US"/>
           </a:p>
@@ -3408,7 +3408,7 @@
           <a:p>
             <a:fld id="{1D8BD707-D9CF-40AE-B4C6-C98DA3205C09}" type="datetimeFigureOut">
               <a:rPr lang="en-US"/>
-              <a:t>10/5/2022</a:t>
+              <a:t>10/16/2022</a:t>
             </a:fld>
             <a:endParaRPr lang="en-US"/>
           </a:p>
@@ -3527,7 +3527,7 @@
           <a:p>
             <a:fld id="{1D8BD707-D9CF-40AE-B4C6-C98DA3205C09}" type="datetimeFigureOut">
               <a:rPr lang="en-US"/>
-              <a:t>10/5/2022</a:t>
+              <a:t>10/16/2022</a:t>
             </a:fld>
             <a:endParaRPr lang="en-US"/>
           </a:p>
@@ -3781,7 +3781,7 @@
           <a:p>
             <a:fld id="{1D8BD707-D9CF-40AE-B4C6-C98DA3205C09}" type="datetimeFigureOut">
               <a:rPr lang="en-US"/>
-              <a:t>10/5/2022</a:t>
+              <a:t>10/16/2022</a:t>
             </a:fld>
             <a:endParaRPr lang="en-US"/>
           </a:p>
@@ -13988,21 +13988,21 @@
               <a:t> </a:t>
             </a:r>
             <a:r>
-              <a:rPr sz="2400" dirty="0">
+              <a:rPr sz="2400" dirty="0" err="1">
                 <a:latin typeface="Arial"/>
                 <a:cs typeface="Arial"/>
               </a:rPr>
               <a:t>funcio</a:t>
             </a:r>
             <a:r>
-              <a:rPr sz="2400" spc="-10" dirty="0">
+              <a:rPr sz="2400" spc="-10" dirty="0" err="1">
                 <a:latin typeface="Arial"/>
                 <a:cs typeface="Arial"/>
               </a:rPr>
               <a:t>n</a:t>
             </a:r>
             <a:r>
-              <a:rPr sz="2400" dirty="0">
+              <a:rPr sz="2400" dirty="0" err="1">
                 <a:latin typeface="Arial"/>
                 <a:cs typeface="Arial"/>
               </a:rPr>
@@ -14016,26 +14016,37 @@
               <a:t> </a:t>
             </a:r>
             <a:r>
-              <a:rPr sz="2400" dirty="0">
+              <a:rPr sz="2400" dirty="0" err="1">
                 <a:latin typeface="Arial"/>
                 <a:cs typeface="Arial"/>
               </a:rPr>
               <a:t>estadístic</a:t>
             </a:r>
             <a:r>
-              <a:rPr sz="2400" spc="-10" dirty="0">
+              <a:rPr sz="2400" spc="-10" dirty="0" err="1">
                 <a:latin typeface="Arial"/>
                 <a:cs typeface="Arial"/>
               </a:rPr>
               <a:t>a</a:t>
             </a:r>
             <a:r>
-              <a:rPr sz="2400" dirty="0">
+              <a:rPr sz="2400" dirty="0" err="1">
                 <a:latin typeface="Arial"/>
                 <a:cs typeface="Arial"/>
               </a:rPr>
               <a:t>s</a:t>
             </a:r>
+            <a:r>
+              <a:rPr lang="es-ES" sz="2400" dirty="0">
+                <a:latin typeface="Arial"/>
+                <a:cs typeface="Arial"/>
+              </a:rPr>
+              <a:t>.</a:t>
+            </a:r>
+            <a:endParaRPr sz="2400" dirty="0">
+              <a:latin typeface="Arial"/>
+              <a:cs typeface="Arial"/>
+            </a:endParaRPr>
           </a:p>
           <a:p>
             <a:pPr>
